--- a/Documentation/IS_training_users/антифишинг.pptx
+++ b/Documentation/IS_training_users/антифишинг.pptx
@@ -104,6 +104,11 @@
       </a:defRPr>
     </a:lvl9pPr>
   </p:defaultTextStyle>
+  <p:extLst>
+    <p:ext uri="{EFAFB233-063F-42B5-8137-9DF3F51BA10A}">
+      <p15:sldGuideLst xmlns:p15="http://schemas.microsoft.com/office/powerpoint/2012/main"/>
+    </p:ext>
+  </p:extLst>
 </p:presentation>
 </file>
 
@@ -238,7 +243,7 @@
           <a:p>
             <a:fld id="{403C1BB7-411A-4094-A5F2-C460D1C58A30}" type="datetimeFigureOut">
               <a:rPr lang="ru-RU" smtClean="0"/>
-              <a:t>05.08.2024</a:t>
+              <a:t>03.09.2024</a:t>
             </a:fld>
             <a:endParaRPr lang="ru-RU"/>
           </a:p>
@@ -408,7 +413,7 @@
           <a:p>
             <a:fld id="{403C1BB7-411A-4094-A5F2-C460D1C58A30}" type="datetimeFigureOut">
               <a:rPr lang="ru-RU" smtClean="0"/>
-              <a:t>05.08.2024</a:t>
+              <a:t>03.09.2024</a:t>
             </a:fld>
             <a:endParaRPr lang="ru-RU"/>
           </a:p>
@@ -588,7 +593,7 @@
           <a:p>
             <a:fld id="{403C1BB7-411A-4094-A5F2-C460D1C58A30}" type="datetimeFigureOut">
               <a:rPr lang="ru-RU" smtClean="0"/>
-              <a:t>05.08.2024</a:t>
+              <a:t>03.09.2024</a:t>
             </a:fld>
             <a:endParaRPr lang="ru-RU"/>
           </a:p>
@@ -758,7 +763,7 @@
           <a:p>
             <a:fld id="{403C1BB7-411A-4094-A5F2-C460D1C58A30}" type="datetimeFigureOut">
               <a:rPr lang="ru-RU" smtClean="0"/>
-              <a:t>05.08.2024</a:t>
+              <a:t>03.09.2024</a:t>
             </a:fld>
             <a:endParaRPr lang="ru-RU"/>
           </a:p>
@@ -1004,7 +1009,7 @@
           <a:p>
             <a:fld id="{403C1BB7-411A-4094-A5F2-C460D1C58A30}" type="datetimeFigureOut">
               <a:rPr lang="ru-RU" smtClean="0"/>
-              <a:t>05.08.2024</a:t>
+              <a:t>03.09.2024</a:t>
             </a:fld>
             <a:endParaRPr lang="ru-RU"/>
           </a:p>
@@ -1236,7 +1241,7 @@
           <a:p>
             <a:fld id="{403C1BB7-411A-4094-A5F2-C460D1C58A30}" type="datetimeFigureOut">
               <a:rPr lang="ru-RU" smtClean="0"/>
-              <a:t>05.08.2024</a:t>
+              <a:t>03.09.2024</a:t>
             </a:fld>
             <a:endParaRPr lang="ru-RU"/>
           </a:p>
@@ -1603,7 +1608,7 @@
           <a:p>
             <a:fld id="{403C1BB7-411A-4094-A5F2-C460D1C58A30}" type="datetimeFigureOut">
               <a:rPr lang="ru-RU" smtClean="0"/>
-              <a:t>05.08.2024</a:t>
+              <a:t>03.09.2024</a:t>
             </a:fld>
             <a:endParaRPr lang="ru-RU"/>
           </a:p>
@@ -1721,7 +1726,7 @@
           <a:p>
             <a:fld id="{403C1BB7-411A-4094-A5F2-C460D1C58A30}" type="datetimeFigureOut">
               <a:rPr lang="ru-RU" smtClean="0"/>
-              <a:t>05.08.2024</a:t>
+              <a:t>03.09.2024</a:t>
             </a:fld>
             <a:endParaRPr lang="ru-RU"/>
           </a:p>
@@ -1816,7 +1821,7 @@
           <a:p>
             <a:fld id="{403C1BB7-411A-4094-A5F2-C460D1C58A30}" type="datetimeFigureOut">
               <a:rPr lang="ru-RU" smtClean="0"/>
-              <a:t>05.08.2024</a:t>
+              <a:t>03.09.2024</a:t>
             </a:fld>
             <a:endParaRPr lang="ru-RU"/>
           </a:p>
@@ -2093,7 +2098,7 @@
           <a:p>
             <a:fld id="{403C1BB7-411A-4094-A5F2-C460D1C58A30}" type="datetimeFigureOut">
               <a:rPr lang="ru-RU" smtClean="0"/>
-              <a:t>05.08.2024</a:t>
+              <a:t>03.09.2024</a:t>
             </a:fld>
             <a:endParaRPr lang="ru-RU"/>
           </a:p>
@@ -2346,7 +2351,7 @@
           <a:p>
             <a:fld id="{403C1BB7-411A-4094-A5F2-C460D1C58A30}" type="datetimeFigureOut">
               <a:rPr lang="ru-RU" smtClean="0"/>
-              <a:t>05.08.2024</a:t>
+              <a:t>03.09.2024</a:t>
             </a:fld>
             <a:endParaRPr lang="ru-RU"/>
           </a:p>
@@ -2559,7 +2564,7 @@
           <a:p>
             <a:fld id="{403C1BB7-411A-4094-A5F2-C460D1C58A30}" type="datetimeFigureOut">
               <a:rPr lang="ru-RU" smtClean="0"/>
-              <a:t>05.08.2024</a:t>
+              <a:t>03.09.2024</a:t>
             </a:fld>
             <a:endParaRPr lang="ru-RU"/>
           </a:p>
@@ -3184,72 +3189,86 @@
                 <a:latin typeface="Times New Roman" panose="02020603050405020304" pitchFamily="18" charset="0"/>
                 <a:cs typeface="Times New Roman" panose="02020603050405020304" pitchFamily="18" charset="0"/>
               </a:rPr>
-              <a:t>Злоумышленники с помощью Ваших данных могут получить доступ к конфиденциальной информации ООО «</a:t>
+              <a:t>Злоумышленники с помощью Ваших данных могут получить доступ к конфиденциальной информации ООО </a:t>
+            </a:r>
+            <a:r>
+              <a:rPr lang="ru-RU" sz="1000" dirty="0" smtClean="0">
+                <a:latin typeface="Times New Roman" panose="02020603050405020304" pitchFamily="18" charset="0"/>
+                <a:cs typeface="Times New Roman" panose="02020603050405020304" pitchFamily="18" charset="0"/>
+              </a:rPr>
+              <a:t>«</a:t>
+            </a:r>
+            <a:r>
+              <a:rPr lang="en-US" sz="1000" dirty="0" smtClean="0">
+                <a:latin typeface="Times New Roman" panose="02020603050405020304" pitchFamily="18" charset="0"/>
+                <a:cs typeface="Times New Roman" panose="02020603050405020304" pitchFamily="18" charset="0"/>
+              </a:rPr>
+              <a:t>My Company</a:t>
+            </a:r>
+            <a:r>
+              <a:rPr lang="ru-RU" sz="1000" dirty="0" smtClean="0">
+                <a:latin typeface="Times New Roman" panose="02020603050405020304" pitchFamily="18" charset="0"/>
+                <a:cs typeface="Times New Roman" panose="02020603050405020304" pitchFamily="18" charset="0"/>
+              </a:rPr>
+              <a:t>», </a:t>
+            </a:r>
+            <a:r>
+              <a:rPr lang="ru-RU" sz="1000" dirty="0" smtClean="0">
+                <a:latin typeface="Times New Roman" panose="02020603050405020304" pitchFamily="18" charset="0"/>
+                <a:cs typeface="Times New Roman" panose="02020603050405020304" pitchFamily="18" charset="0"/>
+              </a:rPr>
+              <a:t>которую смогут использовать </a:t>
+            </a:r>
+          </a:p>
+          <a:p>
+            <a:r>
+              <a:rPr lang="ru-RU" sz="1000" dirty="0" smtClean="0">
+                <a:latin typeface="Times New Roman" panose="02020603050405020304" pitchFamily="18" charset="0"/>
+                <a:cs typeface="Times New Roman" panose="02020603050405020304" pitchFamily="18" charset="0"/>
+              </a:rPr>
+              <a:t>для причинения </a:t>
             </a:r>
             <a:r>
               <a:rPr lang="ru-RU" sz="1000" dirty="0" err="1" smtClean="0">
                 <a:latin typeface="Times New Roman" panose="02020603050405020304" pitchFamily="18" charset="0"/>
                 <a:cs typeface="Times New Roman" panose="02020603050405020304" pitchFamily="18" charset="0"/>
               </a:rPr>
-              <a:t>Гудфокаст</a:t>
+              <a:t>репутационного</a:t>
             </a:r>
             <a:r>
               <a:rPr lang="ru-RU" sz="1000" dirty="0" smtClean="0">
                 <a:latin typeface="Times New Roman" panose="02020603050405020304" pitchFamily="18" charset="0"/>
                 <a:cs typeface="Times New Roman" panose="02020603050405020304" pitchFamily="18" charset="0"/>
               </a:rPr>
-              <a:t>», которую смогут использовать </a:t>
-            </a:r>
-          </a:p>
-          <a:p>
+              <a:t> и иного ущерба ООО </a:t>
+            </a:r>
             <a:r>
               <a:rPr lang="ru-RU" sz="1000" dirty="0" smtClean="0">
                 <a:latin typeface="Times New Roman" panose="02020603050405020304" pitchFamily="18" charset="0"/>
                 <a:cs typeface="Times New Roman" panose="02020603050405020304" pitchFamily="18" charset="0"/>
               </a:rPr>
-              <a:t>для причинения </a:t>
-            </a:r>
-            <a:r>
-              <a:rPr lang="ru-RU" sz="1000" dirty="0" err="1" smtClean="0">
-                <a:latin typeface="Times New Roman" panose="02020603050405020304" pitchFamily="18" charset="0"/>
-                <a:cs typeface="Times New Roman" panose="02020603050405020304" pitchFamily="18" charset="0"/>
-              </a:rPr>
-              <a:t>репутационного</a:t>
+              <a:t>«</a:t>
+            </a:r>
+            <a:r>
+              <a:rPr lang="en-US" sz="1000" dirty="0" smtClean="0">
+                <a:latin typeface="Times New Roman" panose="02020603050405020304" pitchFamily="18" charset="0"/>
+                <a:cs typeface="Times New Roman" panose="02020603050405020304" pitchFamily="18" charset="0"/>
+              </a:rPr>
+              <a:t>My Company</a:t>
             </a:r>
             <a:r>
               <a:rPr lang="ru-RU" sz="1000" dirty="0" smtClean="0">
                 <a:latin typeface="Times New Roman" panose="02020603050405020304" pitchFamily="18" charset="0"/>
                 <a:cs typeface="Times New Roman" panose="02020603050405020304" pitchFamily="18" charset="0"/>
               </a:rPr>
-              <a:t> и иного ущерба </a:t>
+              <a:t>», </a:t>
             </a:r>
             <a:r>
               <a:rPr lang="ru-RU" sz="1000" dirty="0" smtClean="0">
                 <a:latin typeface="Times New Roman" panose="02020603050405020304" pitchFamily="18" charset="0"/>
                 <a:cs typeface="Times New Roman" panose="02020603050405020304" pitchFamily="18" charset="0"/>
               </a:rPr>
-              <a:t>ООО «</a:t>
-            </a:r>
-            <a:r>
-              <a:rPr lang="ru-RU" sz="1000" dirty="0" err="1" smtClean="0">
-                <a:latin typeface="Times New Roman" panose="02020603050405020304" pitchFamily="18" charset="0"/>
-                <a:cs typeface="Times New Roman" panose="02020603050405020304" pitchFamily="18" charset="0"/>
-              </a:rPr>
-              <a:t>Гудфокаст</a:t>
-            </a:r>
-            <a:r>
-              <a:rPr lang="ru-RU" sz="1000" dirty="0" smtClean="0">
-                <a:latin typeface="Times New Roman" panose="02020603050405020304" pitchFamily="18" charset="0"/>
-                <a:cs typeface="Times New Roman" panose="02020603050405020304" pitchFamily="18" charset="0"/>
-              </a:rPr>
-              <a:t>»</a:t>
-            </a:r>
-            <a:r>
-              <a:rPr lang="ru-RU" sz="1000" dirty="0" smtClean="0">
-                <a:latin typeface="Times New Roman" panose="02020603050405020304" pitchFamily="18" charset="0"/>
-                <a:cs typeface="Times New Roman" panose="02020603050405020304" pitchFamily="18" charset="0"/>
-              </a:rPr>
-              <a:t>, Вам или третьим лицам.</a:t>
+              <a:t>Вам или третьим лицам.</a:t>
             </a:r>
           </a:p>
           <a:p>

--- a/Documentation/IS_training_users/антифишинг.pptx
+++ b/Documentation/IS_training_users/антифишинг.pptx
@@ -3189,14 +3189,44 @@
                 <a:latin typeface="Times New Roman" panose="02020603050405020304" pitchFamily="18" charset="0"/>
                 <a:cs typeface="Times New Roman" panose="02020603050405020304" pitchFamily="18" charset="0"/>
               </a:rPr>
-              <a:t>Злоумышленники с помощью Ваших данных могут получить доступ к конфиденциальной информации ООО </a:t>
+              <a:t>Злоумышленники с помощью Ваших данных могут получить доступ к конфиденциальной информации ООО «</a:t>
+            </a:r>
+            <a:r>
+              <a:rPr lang="en-US" sz="1000" dirty="0" smtClean="0">
+                <a:latin typeface="Times New Roman" panose="02020603050405020304" pitchFamily="18" charset="0"/>
+                <a:cs typeface="Times New Roman" panose="02020603050405020304" pitchFamily="18" charset="0"/>
+              </a:rPr>
+              <a:t>My Company</a:t>
             </a:r>
             <a:r>
               <a:rPr lang="ru-RU" sz="1000" dirty="0" smtClean="0">
                 <a:latin typeface="Times New Roman" panose="02020603050405020304" pitchFamily="18" charset="0"/>
                 <a:cs typeface="Times New Roman" panose="02020603050405020304" pitchFamily="18" charset="0"/>
               </a:rPr>
-              <a:t>«</a:t>
+              <a:t>», которую смогут использовать </a:t>
+            </a:r>
+          </a:p>
+          <a:p>
+            <a:r>
+              <a:rPr lang="ru-RU" sz="1000" dirty="0" smtClean="0">
+                <a:latin typeface="Times New Roman" panose="02020603050405020304" pitchFamily="18" charset="0"/>
+                <a:cs typeface="Times New Roman" panose="02020603050405020304" pitchFamily="18" charset="0"/>
+              </a:rPr>
+              <a:t>для причинения </a:t>
+            </a:r>
+            <a:r>
+              <a:rPr lang="ru-RU" sz="1000" dirty="0" err="1" smtClean="0">
+                <a:latin typeface="Times New Roman" panose="02020603050405020304" pitchFamily="18" charset="0"/>
+                <a:cs typeface="Times New Roman" panose="02020603050405020304" pitchFamily="18" charset="0"/>
+              </a:rPr>
+              <a:t>репутационного</a:t>
+            </a:r>
+            <a:r>
+              <a:rPr lang="ru-RU" sz="1000" dirty="0" smtClean="0">
+                <a:latin typeface="Times New Roman" panose="02020603050405020304" pitchFamily="18" charset="0"/>
+                <a:cs typeface="Times New Roman" panose="02020603050405020304" pitchFamily="18" charset="0"/>
+              </a:rPr>
+              <a:t> и иного ущерба ООО «</a:t>
             </a:r>
             <a:r>
               <a:rPr lang="en-US" sz="1000" dirty="0" smtClean="0">
@@ -3210,65 +3240,7 @@
                 <a:latin typeface="Times New Roman" panose="02020603050405020304" pitchFamily="18" charset="0"/>
                 <a:cs typeface="Times New Roman" panose="02020603050405020304" pitchFamily="18" charset="0"/>
               </a:rPr>
-              <a:t>», </a:t>
-            </a:r>
-            <a:r>
-              <a:rPr lang="ru-RU" sz="1000" dirty="0" smtClean="0">
-                <a:latin typeface="Times New Roman" panose="02020603050405020304" pitchFamily="18" charset="0"/>
-                <a:cs typeface="Times New Roman" panose="02020603050405020304" pitchFamily="18" charset="0"/>
-              </a:rPr>
-              <a:t>которую смогут использовать </a:t>
-            </a:r>
-          </a:p>
-          <a:p>
-            <a:r>
-              <a:rPr lang="ru-RU" sz="1000" dirty="0" smtClean="0">
-                <a:latin typeface="Times New Roman" panose="02020603050405020304" pitchFamily="18" charset="0"/>
-                <a:cs typeface="Times New Roman" panose="02020603050405020304" pitchFamily="18" charset="0"/>
-              </a:rPr>
-              <a:t>для причинения </a:t>
-            </a:r>
-            <a:r>
-              <a:rPr lang="ru-RU" sz="1000" dirty="0" err="1" smtClean="0">
-                <a:latin typeface="Times New Roman" panose="02020603050405020304" pitchFamily="18" charset="0"/>
-                <a:cs typeface="Times New Roman" panose="02020603050405020304" pitchFamily="18" charset="0"/>
-              </a:rPr>
-              <a:t>репутационного</a:t>
-            </a:r>
-            <a:r>
-              <a:rPr lang="ru-RU" sz="1000" dirty="0" smtClean="0">
-                <a:latin typeface="Times New Roman" panose="02020603050405020304" pitchFamily="18" charset="0"/>
-                <a:cs typeface="Times New Roman" panose="02020603050405020304" pitchFamily="18" charset="0"/>
-              </a:rPr>
-              <a:t> и иного ущерба ООО </a:t>
-            </a:r>
-            <a:r>
-              <a:rPr lang="ru-RU" sz="1000" dirty="0" smtClean="0">
-                <a:latin typeface="Times New Roman" panose="02020603050405020304" pitchFamily="18" charset="0"/>
-                <a:cs typeface="Times New Roman" panose="02020603050405020304" pitchFamily="18" charset="0"/>
-              </a:rPr>
-              <a:t>«</a:t>
-            </a:r>
-            <a:r>
-              <a:rPr lang="en-US" sz="1000" dirty="0" smtClean="0">
-                <a:latin typeface="Times New Roman" panose="02020603050405020304" pitchFamily="18" charset="0"/>
-                <a:cs typeface="Times New Roman" panose="02020603050405020304" pitchFamily="18" charset="0"/>
-              </a:rPr>
-              <a:t>My Company</a:t>
-            </a:r>
-            <a:r>
-              <a:rPr lang="ru-RU" sz="1000" dirty="0" smtClean="0">
-                <a:latin typeface="Times New Roman" panose="02020603050405020304" pitchFamily="18" charset="0"/>
-                <a:cs typeface="Times New Roman" panose="02020603050405020304" pitchFamily="18" charset="0"/>
-              </a:rPr>
-              <a:t>», </a:t>
-            </a:r>
-            <a:r>
-              <a:rPr lang="ru-RU" sz="1000" dirty="0" smtClean="0">
-                <a:latin typeface="Times New Roman" panose="02020603050405020304" pitchFamily="18" charset="0"/>
-                <a:cs typeface="Times New Roman" panose="02020603050405020304" pitchFamily="18" charset="0"/>
-              </a:rPr>
-              <a:t>Вам или третьим лицам.</a:t>
+              <a:t>», Вам или третьим лицам.</a:t>
             </a:r>
           </a:p>
           <a:p>
@@ -3776,28 +3748,35 @@
                 <a:latin typeface="Times New Roman" panose="02020603050405020304" pitchFamily="18" charset="0"/>
                 <a:cs typeface="Times New Roman" panose="02020603050405020304" pitchFamily="18" charset="0"/>
               </a:rPr>
-              <a:t>novikov_vitaliy@goodsforecast.ru</a:t>
+              <a:t>                                       </a:t>
             </a:r>
             <a:r>
               <a:rPr lang="ru-RU" sz="1000" b="1" dirty="0" smtClean="0">
                 <a:latin typeface="Times New Roman" panose="02020603050405020304" pitchFamily="18" charset="0"/>
                 <a:cs typeface="Times New Roman" panose="02020603050405020304" pitchFamily="18" charset="0"/>
               </a:rPr>
-              <a:t>, </a:t>
-            </a:r>
-            <a:r>
-              <a:rPr lang="en-US" sz="1000" b="1" dirty="0" smtClean="0">
-                <a:latin typeface="Times New Roman" panose="02020603050405020304" pitchFamily="18" charset="0"/>
-                <a:cs typeface="Times New Roman" panose="02020603050405020304" pitchFamily="18" charset="0"/>
-              </a:rPr>
-              <a:t>mikrukov@goodsforecast.ru</a:t>
+              <a:t>тел</a:t>
             </a:r>
             <a:r>
               <a:rPr lang="ru-RU" sz="1000" b="1" dirty="0" smtClean="0">
                 <a:latin typeface="Times New Roman" panose="02020603050405020304" pitchFamily="18" charset="0"/>
                 <a:cs typeface="Times New Roman" panose="02020603050405020304" pitchFamily="18" charset="0"/>
               </a:rPr>
-              <a:t>  тел.: +7 921 578 66 92, 8-800-350-45-46).</a:t>
+              <a:t>.: </a:t>
+            </a:r>
+            <a:r>
+              <a:rPr lang="en-US" sz="1000" b="1" smtClean="0">
+                <a:latin typeface="Times New Roman" panose="02020603050405020304" pitchFamily="18" charset="0"/>
+                <a:cs typeface="Times New Roman" panose="02020603050405020304" pitchFamily="18" charset="0"/>
+              </a:rPr>
+              <a:t>                                                   </a:t>
+            </a:r>
+            <a:r>
+              <a:rPr lang="ru-RU" sz="1000" b="1" smtClean="0">
+                <a:latin typeface="Times New Roman" panose="02020603050405020304" pitchFamily="18" charset="0"/>
+                <a:cs typeface="Times New Roman" panose="02020603050405020304" pitchFamily="18" charset="0"/>
+              </a:rPr>
+              <a:t>).</a:t>
             </a:r>
             <a:endParaRPr lang="ru-RU" sz="1000" b="1" dirty="0">
               <a:latin typeface="Times New Roman" panose="02020603050405020304" pitchFamily="18" charset="0"/>
